--- a/Final presentation.pptx
+++ b/Final presentation.pptx
@@ -859,7 +859,7 @@
         </p:nvSpPr>
         <p:spPr>
           <a:xfrm>
-            <a:off x="381300" y="685800"/>
+            <a:off x="381000" y="685800"/>
             <a:ext cx="6096000" cy="3429000"/>
           </a:xfrm>
           <a:custGeom>
@@ -8242,44 +8242,6 @@
           <a:chExt cx="0" cy="0"/>
         </a:xfrm>
       </p:grpSpPr>
-      <p:sp>
-        <p:nvSpPr>
-          <p:cNvPr id="148" name="Google Shape;148;p22"/>
-          <p:cNvSpPr txBox="1">
-            <a:spLocks noGrp="1"/>
-          </p:cNvSpPr>
-          <p:nvPr>
-            <p:ph type="title"/>
-          </p:nvPr>
-        </p:nvSpPr>
-        <p:spPr>
-          <a:xfrm>
-            <a:off x="729450" y="1318650"/>
-            <a:ext cx="7688700" cy="535200"/>
-          </a:xfrm>
-          <a:prstGeom prst="rect">
-            <a:avLst/>
-          </a:prstGeom>
-        </p:spPr>
-        <p:txBody>
-          <a:bodyPr spcFirstLastPara="1" wrap="square" lIns="91425" tIns="91425" rIns="91425" bIns="91425" anchor="t" anchorCtr="0">
-            <a:normAutofit fontScale="90000"/>
-          </a:bodyPr>
-          <a:lstStyle/>
-          <a:p>
-            <a:pPr marL="0" lvl="0" indent="0" algn="l" rtl="0">
-              <a:spcBef>
-                <a:spcPts val="0"/>
-              </a:spcBef>
-              <a:spcAft>
-                <a:spcPts val="0"/>
-              </a:spcAft>
-              <a:buNone/>
-            </a:pPr>
-            <a:endParaRPr/>
-          </a:p>
-        </p:txBody>
-      </p:sp>
       <p:sp>
         <p:nvSpPr>
           <p:cNvPr id="149" name="Google Shape;149;p22"/>
